--- a/SQL Saturday Dhaka 2018 - SQL Server Backup with encryptions.pptx
+++ b/SQL Saturday Dhaka 2018 - SQL Server Backup with encryptions.pptx
@@ -15,8 +15,8 @@
     <p:sldId id="260" r:id="rId3"/>
     <p:sldId id="261" r:id="rId4"/>
     <p:sldId id="270" r:id="rId5"/>
-    <p:sldId id="293" r:id="rId6"/>
-    <p:sldId id="296" r:id="rId7"/>
+    <p:sldId id="296" r:id="rId6"/>
+    <p:sldId id="293" r:id="rId7"/>
     <p:sldId id="294" r:id="rId8"/>
     <p:sldId id="288" r:id="rId9"/>
     <p:sldId id="289" r:id="rId10"/>
@@ -136,8 +136,8 @@
             <p14:sldId id="260"/>
             <p14:sldId id="261"/>
             <p14:sldId id="270"/>
+            <p14:sldId id="296"/>
             <p14:sldId id="293"/>
-            <p14:sldId id="296"/>
             <p14:sldId id="294"/>
             <p14:sldId id="288"/>
             <p14:sldId id="289"/>
@@ -311,7 +311,7 @@
           <a:p>
             <a:fld id="{4954C6E1-AF92-4FB7-A013-0B520EBC30AE}" type="datetimeFigureOut">
               <a:rPr lang="en-US"/>
-              <a:t>11/17/18</a:t>
+              <a:t>11/21/18</a:t>
             </a:fld>
             <a:endParaRPr/>
           </a:p>
@@ -476,7 +476,7 @@
           <a:p>
             <a:fld id="{95C10850-0874-4A61-99B4-D613C5E8D9EA}" type="datetimeFigureOut">
               <a:rPr lang="en-US"/>
-              <a:t>11/17/18</a:t>
+              <a:t>11/21/18</a:t>
             </a:fld>
             <a:endParaRPr/>
           </a:p>
@@ -933,7 +933,7 @@
           <p:cNvPr id="7" name="Picture 6">
             <a:extLst>
               <a:ext uri="{FF2B5EF4-FFF2-40B4-BE49-F238E27FC236}">
-                <a16:creationId xmlns:a16="http://schemas.microsoft.com/office/drawing/2014/main" xmlns="" id="{682245BA-3E6C-4FAA-8C55-9232354DEFFB}"/>
+                <a16:creationId xmlns="" xmlns:a16="http://schemas.microsoft.com/office/drawing/2014/main" id="{682245BA-3E6C-4FAA-8C55-9232354DEFFB}"/>
               </a:ext>
             </a:extLst>
           </p:cNvPr>
@@ -1092,7 +1092,7 @@
           <p:cNvPr id="4" name="Picture 3">
             <a:extLst>
               <a:ext uri="{FF2B5EF4-FFF2-40B4-BE49-F238E27FC236}">
-                <a16:creationId xmlns:a16="http://schemas.microsoft.com/office/drawing/2014/main" xmlns="" id="{097E2290-D773-46C2-A868-25CAA97A1972}"/>
+                <a16:creationId xmlns="" xmlns:a16="http://schemas.microsoft.com/office/drawing/2014/main" id="{097E2290-D773-46C2-A868-25CAA97A1972}"/>
               </a:ext>
             </a:extLst>
           </p:cNvPr>
@@ -2056,7 +2056,7 @@
             <a:fld id="{3B9B9059-F1D6-41D0-95CF-D21CAA096B3A}" type="datetimeFigureOut">
               <a:rPr lang="en-US" smtClean="0"/>
               <a:pPr/>
-              <a:t>11/17/18</a:t>
+              <a:t>11/21/18</a:t>
             </a:fld>
             <a:endParaRPr lang="en-US"/>
           </a:p>
@@ -2289,7 +2289,7 @@
           <a:graphicData uri="http://schemas.openxmlformats.org/presentationml/2006/ole">
             <mc:AlternateContent xmlns:mc="http://schemas.openxmlformats.org/markup-compatibility/2006">
               <mc:Choice xmlns:v="urn:schemas-microsoft-com:vml" Requires="v">
-                <p:oleObj spid="_x0000_s1054" name="Image" r:id="rId11" imgW="2279520" imgH="1310400" progId="Photoshop.Image.18">
+                <p:oleObj spid="_x0000_s1056" name="Image" r:id="rId11" imgW="2279520" imgH="1310400" progId="Photoshop.Image.18">
                   <p:embed/>
                 </p:oleObj>
               </mc:Choice>
@@ -6537,6 +6537,71 @@
       </p:grpSpPr>
       <p:sp>
         <p:nvSpPr>
+          <p:cNvPr id="4" name="Title 3"/>
+          <p:cNvSpPr>
+            <a:spLocks noGrp="1"/>
+          </p:cNvSpPr>
+          <p:nvPr>
+            <p:ph type="title"/>
+          </p:nvPr>
+        </p:nvSpPr>
+        <p:spPr/>
+        <p:txBody>
+          <a:bodyPr/>
+          <a:lstStyle/>
+          <a:p>
+            <a:r>
+              <a:rPr lang="en-US" dirty="0" smtClean="0"/>
+              <a:t>DEMO</a:t>
+            </a:r>
+            <a:endParaRPr lang="en-US" dirty="0"/>
+          </a:p>
+        </p:txBody>
+      </p:sp>
+    </p:spTree>
+    <p:extLst>
+      <p:ext uri="{BB962C8B-B14F-4D97-AF65-F5344CB8AC3E}">
+        <p14:creationId xmlns:p14="http://schemas.microsoft.com/office/powerpoint/2010/main" val="1592217628"/>
+      </p:ext>
+    </p:extLst>
+  </p:cSld>
+  <p:clrMapOvr>
+    <a:masterClrMapping/>
+  </p:clrMapOvr>
+  <mc:AlternateContent xmlns:mc="http://schemas.openxmlformats.org/markup-compatibility/2006" xmlns:p14="http://schemas.microsoft.com/office/powerpoint/2010/main">
+    <mc:Choice Requires="p14">
+      <p:transition spd="med" p14:dur="700">
+        <p:fade/>
+      </p:transition>
+    </mc:Choice>
+    <mc:Fallback xmlns="">
+      <p:transition spd="med">
+        <p:fade/>
+      </p:transition>
+    </mc:Fallback>
+  </mc:AlternateContent>
+</p:sld>
+</file>
+
+<file path=ppt/slides/slide6.xml><?xml version="1.0" encoding="utf-8"?>
+<p:sld xmlns:a="http://schemas.openxmlformats.org/drawingml/2006/main" xmlns:r="http://schemas.openxmlformats.org/officeDocument/2006/relationships" xmlns:p="http://schemas.openxmlformats.org/presentationml/2006/main">
+  <p:cSld>
+    <p:spTree>
+      <p:nvGrpSpPr>
+        <p:cNvPr id="1" name=""/>
+        <p:cNvGrpSpPr/>
+        <p:nvPr/>
+      </p:nvGrpSpPr>
+      <p:grpSpPr>
+        <a:xfrm>
+          <a:off x="0" y="0"/>
+          <a:ext cx="0" cy="0"/>
+          <a:chOff x="0" y="0"/>
+          <a:chExt cx="0" cy="0"/>
+        </a:xfrm>
+      </p:grpSpPr>
+      <p:sp>
+        <p:nvSpPr>
           <p:cNvPr id="7" name="Title 1"/>
           <p:cNvSpPr>
             <a:spLocks noGrp="1"/>
@@ -6796,71 +6861,6 @@
       </p:par>
     </p:tnLst>
   </p:timing>
-</p:sld>
-</file>
-
-<file path=ppt/slides/slide6.xml><?xml version="1.0" encoding="utf-8"?>
-<p:sld xmlns:a="http://schemas.openxmlformats.org/drawingml/2006/main" xmlns:r="http://schemas.openxmlformats.org/officeDocument/2006/relationships" xmlns:p="http://schemas.openxmlformats.org/presentationml/2006/main">
-  <p:cSld>
-    <p:spTree>
-      <p:nvGrpSpPr>
-        <p:cNvPr id="1" name=""/>
-        <p:cNvGrpSpPr/>
-        <p:nvPr/>
-      </p:nvGrpSpPr>
-      <p:grpSpPr>
-        <a:xfrm>
-          <a:off x="0" y="0"/>
-          <a:ext cx="0" cy="0"/>
-          <a:chOff x="0" y="0"/>
-          <a:chExt cx="0" cy="0"/>
-        </a:xfrm>
-      </p:grpSpPr>
-      <p:sp>
-        <p:nvSpPr>
-          <p:cNvPr id="4" name="Title 3"/>
-          <p:cNvSpPr>
-            <a:spLocks noGrp="1"/>
-          </p:cNvSpPr>
-          <p:nvPr>
-            <p:ph type="title"/>
-          </p:nvPr>
-        </p:nvSpPr>
-        <p:spPr/>
-        <p:txBody>
-          <a:bodyPr/>
-          <a:lstStyle/>
-          <a:p>
-            <a:r>
-              <a:rPr lang="en-US" dirty="0" smtClean="0"/>
-              <a:t>DEMO</a:t>
-            </a:r>
-            <a:endParaRPr lang="en-US" dirty="0"/>
-          </a:p>
-        </p:txBody>
-      </p:sp>
-    </p:spTree>
-    <p:extLst>
-      <p:ext uri="{BB962C8B-B14F-4D97-AF65-F5344CB8AC3E}">
-        <p14:creationId xmlns:p14="http://schemas.microsoft.com/office/powerpoint/2010/main" val="1592217628"/>
-      </p:ext>
-    </p:extLst>
-  </p:cSld>
-  <p:clrMapOvr>
-    <a:masterClrMapping/>
-  </p:clrMapOvr>
-  <mc:AlternateContent xmlns:mc="http://schemas.openxmlformats.org/markup-compatibility/2006" xmlns:p14="http://schemas.microsoft.com/office/powerpoint/2010/main">
-    <mc:Choice Requires="p14">
-      <p:transition spd="med" p14:dur="700">
-        <p:fade/>
-      </p:transition>
-    </mc:Choice>
-    <mc:Fallback xmlns="">
-      <p:transition spd="med">
-        <p:fade/>
-      </p:transition>
-    </mc:Fallback>
-  </mc:AlternateContent>
 </p:sld>
 </file>
 
@@ -7707,11 +7707,7 @@
           <a:p>
             <a:r>
               <a:rPr lang="en-US" dirty="0" smtClean="0"/>
-              <a:t>How</a:t>
-            </a:r>
-            <a:r>
-              <a:rPr lang="en-US" dirty="0" smtClean="0"/>
-              <a:t>: </a:t>
+              <a:t>How: </a:t>
             </a:r>
             <a:r>
               <a:rPr lang="en-US" dirty="0" smtClean="0">
